--- a/Slides/Lesson 6.4 Foldr.pptx
+++ b/Slides/Lesson 6.4 Foldr.pptx
@@ -5850,7 +5850,7 @@
         <p:spPr/>
         <p:txBody>
           <a:bodyPr>
-            <a:normAutofit fontScale="77500" lnSpcReduction="20000"/>
+            <a:normAutofit fontScale="85000" lnSpcReduction="20000"/>
           </a:bodyPr>
           <a:lstStyle/>
           <a:p>
@@ -5907,21 +5907,63 @@
                 <a:latin typeface="Consolas" panose="020B0609020204030204" pitchFamily="49" charset="0"/>
                 <a:cs typeface="Consolas" panose="020B0609020204030204" pitchFamily="49" charset="0"/>
               </a:rPr>
-              <a:t> -&gt; X) X </a:t>
+              <a:t> -&gt; X) X XList  -&gt;  X</a:t>
+            </a:r>
+          </a:p>
+          <a:p>
+            <a:pPr marL="0" indent="0">
+              <a:buNone/>
+            </a:pPr>
+            <a:r>
+              <a:rPr lang="en-US" b="1" dirty="0"/>
+              <a:t> </a:t>
+            </a:r>
+          </a:p>
+          <a:p>
+            <a:pPr marL="0" indent="0">
+              <a:buNone/>
+            </a:pPr>
+            <a:r>
+              <a:rPr lang="en-US" dirty="0"/>
+              <a:t>that is, you could use </a:t>
+            </a:r>
+            <a:r>
+              <a:rPr lang="en-US" b="1" dirty="0"/>
+              <a:t>foldr</a:t>
+            </a:r>
+            <a:r>
+              <a:rPr lang="en-US" dirty="0"/>
+              <a:t> at</a:t>
+            </a:r>
+          </a:p>
+          <a:p>
+            <a:pPr marL="0" indent="0">
+              <a:buNone/>
+            </a:pPr>
+            <a:r>
+              <a:rPr lang="en-US" b="1" dirty="0"/>
+              <a:t> </a:t>
+            </a:r>
+            <a:r>
+              <a:rPr lang="en-US" b="1" dirty="0">
+                <a:latin typeface="Consolas" panose="020B0609020204030204" pitchFamily="49" charset="0"/>
+                <a:cs typeface="Consolas" panose="020B0609020204030204" pitchFamily="49" charset="0"/>
+              </a:rPr>
+              <a:t>(Boolean Boolean) Boolean </a:t>
             </a:r>
             <a:r>
               <a:rPr lang="en-US" b="1" dirty="0" err="1">
                 <a:latin typeface="Consolas" panose="020B0609020204030204" pitchFamily="49" charset="0"/>
                 <a:cs typeface="Consolas" panose="020B0609020204030204" pitchFamily="49" charset="0"/>
               </a:rPr>
-              <a:t>ListOfX</a:t>
+              <a:t>BooleanList</a:t>
             </a:r>
             <a:r>
               <a:rPr lang="en-US" b="1" dirty="0">
                 <a:latin typeface="Consolas" panose="020B0609020204030204" pitchFamily="49" charset="0"/>
                 <a:cs typeface="Consolas" panose="020B0609020204030204" pitchFamily="49" charset="0"/>
               </a:rPr>
-              <a:t>  -&gt;  X</a:t>
+              <a:t> </a:t>
             </a:r>
           </a:p>
           <a:p>
@@ -5929,8 +5971,11 @@
               <a:buNone/>
             </a:pPr>
             <a:r>
-              <a:rPr lang="en-US" b="1" dirty="0"/>
-              <a:t> </a:t>
+              <a:rPr lang="en-US" b="1" dirty="0">
+                <a:latin typeface="Consolas" panose="020B0609020204030204" pitchFamily="49" charset="0"/>
+                <a:cs typeface="Consolas" panose="020B0609020204030204" pitchFamily="49" charset="0"/>
+              </a:rPr>
+              <a:t>  -&gt; Boolean</a:t>
             </a:r>
           </a:p>
           <a:p>
@@ -5939,15 +5984,7 @@
             </a:pPr>
             <a:r>
               <a:rPr lang="en-US" dirty="0"/>
-              <a:t>that is, you could use </a:t>
-            </a:r>
-            <a:r>
-              <a:rPr lang="en-US" b="1" dirty="0"/>
-              <a:t>foldr</a:t>
-            </a:r>
-            <a:r>
-              <a:rPr lang="en-US" dirty="0"/>
-              <a:t> at</a:t>
+              <a:t>or</a:t>
             </a:r>
           </a:p>
           <a:p>
@@ -5955,69 +5992,18 @@
               <a:buNone/>
             </a:pPr>
             <a:r>
-              <a:rPr lang="en-US" b="1" dirty="0"/>
-              <a:t> </a:t>
-            </a:r>
-            <a:r>
               <a:rPr lang="en-US" b="1" dirty="0">
                 <a:latin typeface="Consolas" panose="020B0609020204030204" pitchFamily="49" charset="0"/>
                 <a:cs typeface="Consolas" panose="020B0609020204030204" pitchFamily="49" charset="0"/>
               </a:rPr>
-              <a:t>(Boolean Boolean) Boolean </a:t>
+              <a:t>(Employee Employee) Employee </a:t>
             </a:r>
             <a:r>
               <a:rPr lang="en-US" b="1" dirty="0" err="1">
                 <a:latin typeface="Consolas" panose="020B0609020204030204" pitchFamily="49" charset="0"/>
                 <a:cs typeface="Consolas" panose="020B0609020204030204" pitchFamily="49" charset="0"/>
               </a:rPr>
-              <a:t>ListOfBoolean</a:t>
-            </a:r>
-            <a:r>
-              <a:rPr lang="en-US" b="1" dirty="0">
-                <a:latin typeface="Consolas" panose="020B0609020204030204" pitchFamily="49" charset="0"/>
-                <a:cs typeface="Consolas" panose="020B0609020204030204" pitchFamily="49" charset="0"/>
-              </a:rPr>
-              <a:t> </a:t>
-            </a:r>
-          </a:p>
-          <a:p>
-            <a:pPr marL="0" indent="0">
-              <a:buNone/>
-            </a:pPr>
-            <a:r>
-              <a:rPr lang="en-US" b="1" dirty="0">
-                <a:latin typeface="Consolas" panose="020B0609020204030204" pitchFamily="49" charset="0"/>
-                <a:cs typeface="Consolas" panose="020B0609020204030204" pitchFamily="49" charset="0"/>
-              </a:rPr>
-              <a:t>  -&gt; Boolean</a:t>
-            </a:r>
-          </a:p>
-          <a:p>
-            <a:pPr marL="0" indent="0">
-              <a:buNone/>
-            </a:pPr>
-            <a:r>
-              <a:rPr lang="en-US" dirty="0"/>
-              <a:t>or</a:t>
-            </a:r>
-          </a:p>
-          <a:p>
-            <a:pPr marL="0" indent="0">
-              <a:buNone/>
-            </a:pPr>
-            <a:r>
-              <a:rPr lang="en-US" b="1" dirty="0">
-                <a:latin typeface="Consolas" panose="020B0609020204030204" pitchFamily="49" charset="0"/>
-                <a:cs typeface="Consolas" panose="020B0609020204030204" pitchFamily="49" charset="0"/>
-              </a:rPr>
-              <a:t>(Employee Employee) Employee </a:t>
-            </a:r>
-            <a:r>
-              <a:rPr lang="en-US" b="1" dirty="0" err="1">
-                <a:latin typeface="Consolas" panose="020B0609020204030204" pitchFamily="49" charset="0"/>
-                <a:cs typeface="Consolas" panose="020B0609020204030204" pitchFamily="49" charset="0"/>
-              </a:rPr>
-              <a:t>ListOfEmployee</a:t>
+              <a:t>EmployeeList</a:t>
             </a:r>
             <a:r>
               <a:rPr lang="en-US" b="1" dirty="0">
@@ -9482,11 +9468,11 @@
               <a:t>, then the list must be of type </a:t>
             </a:r>
             <a:r>
-              <a:rPr lang="en-US" b="1" dirty="0" err="1">
+              <a:rPr lang="en-US" b="1" dirty="0">
                 <a:latin typeface="Consolas" panose="020B0609020204030204" pitchFamily="49" charset="0"/>
                 <a:cs typeface="Consolas" panose="020B0609020204030204" pitchFamily="49" charset="0"/>
               </a:rPr>
-              <a:t>ListOfX</a:t>
+              <a:t>XList</a:t>
             </a:r>
             <a:r>
               <a:rPr lang="en-US" dirty="0">
@@ -9545,7 +9531,7 @@
         <p:spPr>
           <a:xfrm>
             <a:off x="905301" y="4572000"/>
-            <a:ext cx="6691255" cy="523220"/>
+            <a:ext cx="6296917" cy="523220"/>
           </a:xfrm>
           <a:prstGeom prst="rect">
             <a:avLst/>
@@ -9563,21 +9549,7 @@
                 <a:latin typeface="Consolas" pitchFamily="49" charset="0"/>
                 <a:cs typeface="Consolas" pitchFamily="49" charset="0"/>
               </a:rPr>
-              <a:t>foldr : (X Y -&gt; Y) Y </a:t>
-            </a:r>
-            <a:r>
-              <a:rPr lang="en-US" sz="2800" b="1" dirty="0" err="1">
-                <a:latin typeface="Consolas" pitchFamily="49" charset="0"/>
-                <a:cs typeface="Consolas" pitchFamily="49" charset="0"/>
-              </a:rPr>
-              <a:t>ListOfX</a:t>
-            </a:r>
-            <a:r>
-              <a:rPr lang="en-US" sz="2800" b="1" dirty="0">
-                <a:latin typeface="Consolas" pitchFamily="49" charset="0"/>
-                <a:cs typeface="Consolas" pitchFamily="49" charset="0"/>
-              </a:rPr>
-              <a:t> -&gt; Y</a:t>
+              <a:t>foldr : (X Y -&gt; Y) Y XList -&gt; Y</a:t>
             </a:r>
           </a:p>
         </p:txBody>
@@ -9864,7 +9836,7 @@
         <p:spPr>
           <a:xfrm>
             <a:off x="931459" y="2362200"/>
-            <a:ext cx="6691255" cy="523220"/>
+            <a:ext cx="6296917" cy="523220"/>
           </a:xfrm>
           <a:prstGeom prst="rect">
             <a:avLst/>
@@ -9882,21 +9854,7 @@
                 <a:latin typeface="Consolas" pitchFamily="49" charset="0"/>
                 <a:cs typeface="Consolas" pitchFamily="49" charset="0"/>
               </a:rPr>
-              <a:t>foldr : (X Y -&gt; Y) Y </a:t>
-            </a:r>
-            <a:r>
-              <a:rPr lang="en-US" sz="2800" b="1" dirty="0" err="1">
-                <a:latin typeface="Consolas" pitchFamily="49" charset="0"/>
-                <a:cs typeface="Consolas" pitchFamily="49" charset="0"/>
-              </a:rPr>
-              <a:t>ListOfX</a:t>
-            </a:r>
-            <a:r>
-              <a:rPr lang="en-US" sz="2800" b="1" dirty="0">
-                <a:latin typeface="Consolas" pitchFamily="49" charset="0"/>
-                <a:cs typeface="Consolas" pitchFamily="49" charset="0"/>
-              </a:rPr>
-              <a:t> -&gt; Y</a:t>
+              <a:t>foldr : (X Y -&gt; Y) Y XList -&gt; Y</a:t>
             </a:r>
           </a:p>
         </p:txBody>
@@ -11291,25 +11249,20 @@
         </p:nvSpPr>
         <p:spPr>
           <a:xfrm>
-            <a:off x="411623" y="1310398"/>
+            <a:off x="997134" y="1551672"/>
             <a:ext cx="4774308" cy="646331"/>
           </a:xfrm>
           <a:prstGeom prst="rect">
             <a:avLst/>
           </a:prstGeom>
           <a:solidFill>
-            <a:schemeClr val="accent3">
-              <a:lumMod val="40000"/>
-              <a:lumOff val="60000"/>
+            <a:schemeClr val="accent1">
+              <a:lumMod val="20000"/>
+              <a:lumOff val="80000"/>
             </a:schemeClr>
           </a:solidFill>
           <a:ln w="12700">
-            <a:solidFill>
-              <a:schemeClr val="tx2">
-                <a:lumMod val="60000"/>
-                <a:lumOff val="40000"/>
-              </a:schemeClr>
-            </a:solidFill>
+            <a:noFill/>
           </a:ln>
         </p:spPr>
         <p:txBody>
@@ -11902,25 +11855,20 @@
         </p:nvSpPr>
         <p:spPr>
           <a:xfrm>
-            <a:off x="1420248" y="199866"/>
+            <a:off x="1704188" y="241624"/>
             <a:ext cx="6049084" cy="1938992"/>
           </a:xfrm>
           <a:prstGeom prst="rect">
             <a:avLst/>
           </a:prstGeom>
           <a:solidFill>
-            <a:schemeClr val="accent3">
-              <a:lumMod val="40000"/>
-              <a:lumOff val="60000"/>
+            <a:schemeClr val="accent1">
+              <a:lumMod val="20000"/>
+              <a:lumOff val="80000"/>
             </a:schemeClr>
           </a:solidFill>
           <a:ln w="12700">
-            <a:solidFill>
-              <a:schemeClr val="tx2">
-                <a:lumMod val="60000"/>
-                <a:lumOff val="40000"/>
-              </a:schemeClr>
-            </a:solidFill>
+            <a:noFill/>
           </a:ln>
         </p:spPr>
         <p:txBody>
@@ -14011,18 +13959,13 @@
             <a:avLst/>
           </a:prstGeom>
           <a:solidFill>
-            <a:schemeClr val="accent3">
-              <a:lumMod val="40000"/>
-              <a:lumOff val="60000"/>
+            <a:schemeClr val="accent1">
+              <a:lumMod val="20000"/>
+              <a:lumOff val="80000"/>
             </a:schemeClr>
           </a:solidFill>
           <a:ln w="12700">
-            <a:solidFill>
-              <a:schemeClr val="tx2">
-                <a:lumMod val="60000"/>
-                <a:lumOff val="40000"/>
-              </a:schemeClr>
-            </a:solidFill>
+            <a:noFill/>
           </a:ln>
         </p:spPr>
         <p:txBody>
@@ -14223,27 +14166,7 @@
                 <a:latin typeface="Consolas" pitchFamily="49" charset="0"/>
                 <a:cs typeface="Consolas" pitchFamily="49" charset="0"/>
               </a:rPr>
-              <a:t>foldr : (X Y -&gt; Y) Y </a:t>
-            </a:r>
-            <a:r>
-              <a:rPr lang="en-US" b="1" dirty="0" err="1">
-                <a:solidFill>
-                  <a:srgbClr val="000000"/>
-                </a:solidFill>
-                <a:latin typeface="Consolas" pitchFamily="49" charset="0"/>
-                <a:cs typeface="Consolas" pitchFamily="49" charset="0"/>
-              </a:rPr>
-              <a:t>ListOfX</a:t>
-            </a:r>
-            <a:r>
-              <a:rPr lang="en-US" b="1" dirty="0">
-                <a:solidFill>
-                  <a:srgbClr val="000000"/>
-                </a:solidFill>
-                <a:latin typeface="Consolas" pitchFamily="49" charset="0"/>
-                <a:cs typeface="Consolas" pitchFamily="49" charset="0"/>
-              </a:rPr>
-              <a:t> -&gt; Y</a:t>
+              <a:t>foldr : (X Y -&gt; Y) Y XList -&gt; Y</a:t>
             </a:r>
           </a:p>
           <a:p>
@@ -14412,7 +14335,7 @@
                 <a:latin typeface="Consolas" pitchFamily="49" charset="0"/>
                 <a:cs typeface="Consolas" pitchFamily="49" charset="0"/>
               </a:rPr>
-              <a:t>ListOfBoolean</a:t>
+              <a:t>BooleanList</a:t>
             </a:r>
             <a:r>
               <a:rPr lang="en-US" b="1" dirty="0">
@@ -14491,7 +14414,7 @@
                 <a:latin typeface="Consolas" pitchFamily="49" charset="0"/>
                 <a:cs typeface="Consolas" pitchFamily="49" charset="0"/>
               </a:rPr>
-              <a:t>ListOfBoolean</a:t>
+              <a:t>BooleanList</a:t>
             </a:r>
             <a:r>
               <a:rPr lang="en-US" b="1" dirty="0">
@@ -15072,18 +14995,13 @@
             <a:avLst/>
           </a:prstGeom>
           <a:solidFill>
-            <a:schemeClr val="accent3">
-              <a:lumMod val="40000"/>
-              <a:lumOff val="60000"/>
+            <a:schemeClr val="accent1">
+              <a:lumMod val="20000"/>
+              <a:lumOff val="80000"/>
             </a:schemeClr>
           </a:solidFill>
           <a:ln w="12700">
-            <a:solidFill>
-              <a:schemeClr val="tx2">
-                <a:lumMod val="60000"/>
-                <a:lumOff val="40000"/>
-              </a:schemeClr>
-            </a:solidFill>
+            <a:noFill/>
           </a:ln>
         </p:spPr>
         <p:txBody>
@@ -15240,7 +15158,7 @@
                 <a:latin typeface="Consolas" pitchFamily="49" charset="0"/>
                 <a:cs typeface="Consolas" pitchFamily="49" charset="0"/>
               </a:rPr>
-              <a:t>ListOfBoolean</a:t>
+              <a:t>BooleanList</a:t>
             </a:r>
             <a:r>
               <a:rPr lang="en-US" sz="1800" b="1" dirty="0">
@@ -15963,57 +15881,6 @@
               <a:rPr lang="en-US" dirty="0"/>
               <a:t>.   This will often be the case.</a:t>
             </a:r>
-          </a:p>
-        </p:txBody>
-      </p:sp>
-      <p:sp>
-        <p:nvSpPr>
-          <p:cNvPr id="4" name="&quot;Not Allowed&quot; Symbol 3"/>
-          <p:cNvSpPr/>
-          <p:nvPr/>
-        </p:nvSpPr>
-        <p:spPr>
-          <a:xfrm>
-            <a:off x="2133600" y="1752600"/>
-            <a:ext cx="3200400" cy="2743200"/>
-          </a:xfrm>
-          <a:prstGeom prst="noSmoking">
-            <a:avLst/>
-          </a:prstGeom>
-          <a:solidFill>
-            <a:srgbClr val="FFFF00"/>
-          </a:solidFill>
-          <a:ln/>
-        </p:spPr>
-        <p:style>
-          <a:lnRef idx="2">
-            <a:schemeClr val="accent1"/>
-          </a:lnRef>
-          <a:fillRef idx="1">
-            <a:schemeClr val="lt1"/>
-          </a:fillRef>
-          <a:effectRef idx="0">
-            <a:schemeClr val="accent1"/>
-          </a:effectRef>
-          <a:fontRef idx="minor">
-            <a:schemeClr val="dk1"/>
-          </a:fontRef>
-        </p:style>
-        <p:txBody>
-          <a:bodyPr rot="0" spcFirstLastPara="0" vertOverflow="overflow" horzOverflow="overflow" vert="horz" wrap="square" lIns="91440" tIns="45720" rIns="91440" bIns="45720" numCol="1" spcCol="0" rtlCol="0" fromWordArt="0" anchor="ctr" anchorCtr="0" forceAA="0" compatLnSpc="1">
-            <a:prstTxWarp prst="textNoShape">
-              <a:avLst/>
-            </a:prstTxWarp>
-            <a:noAutofit/>
-          </a:bodyPr>
-          <a:lstStyle/>
-          <a:p>
-            <a:pPr algn="ctr"/>
-            <a:endParaRPr lang="en-US" dirty="0">
-              <a:solidFill>
-                <a:schemeClr val="tx1"/>
-              </a:solidFill>
-            </a:endParaRPr>
           </a:p>
         </p:txBody>
       </p:sp>
@@ -16557,57 +16424,6 @@
               </a:rPr>
               <a:t> with Higher-Order Function Composition.  The functions are still mutually recursive.</a:t>
             </a:r>
-          </a:p>
-        </p:txBody>
-      </p:sp>
-      <p:sp>
-        <p:nvSpPr>
-          <p:cNvPr id="6" name="&quot;Not Allowed&quot; Symbol 5"/>
-          <p:cNvSpPr/>
-          <p:nvPr/>
-        </p:nvSpPr>
-        <p:spPr>
-          <a:xfrm>
-            <a:off x="4876800" y="2133600"/>
-            <a:ext cx="2590800" cy="2209800"/>
-          </a:xfrm>
-          <a:prstGeom prst="noSmoking">
-            <a:avLst/>
-          </a:prstGeom>
-          <a:solidFill>
-            <a:srgbClr val="FFFF00"/>
-          </a:solidFill>
-          <a:ln/>
-        </p:spPr>
-        <p:style>
-          <a:lnRef idx="2">
-            <a:schemeClr val="accent1"/>
-          </a:lnRef>
-          <a:fillRef idx="1">
-            <a:schemeClr val="lt1"/>
-          </a:fillRef>
-          <a:effectRef idx="0">
-            <a:schemeClr val="accent1"/>
-          </a:effectRef>
-          <a:fontRef idx="minor">
-            <a:schemeClr val="dk1"/>
-          </a:fontRef>
-        </p:style>
-        <p:txBody>
-          <a:bodyPr rot="0" spcFirstLastPara="0" vertOverflow="overflow" horzOverflow="overflow" vert="horz" wrap="square" lIns="91440" tIns="45720" rIns="91440" bIns="45720" numCol="1" spcCol="0" rtlCol="0" fromWordArt="0" anchor="ctr" anchorCtr="0" forceAA="0" compatLnSpc="1">
-            <a:prstTxWarp prst="textNoShape">
-              <a:avLst/>
-            </a:prstTxWarp>
-            <a:noAutofit/>
-          </a:bodyPr>
-          <a:lstStyle/>
-          <a:p>
-            <a:pPr algn="ctr"/>
-            <a:endParaRPr lang="en-US" dirty="0">
-              <a:solidFill>
-                <a:schemeClr val="tx1"/>
-              </a:solidFill>
-            </a:endParaRPr>
           </a:p>
         </p:txBody>
       </p:sp>
@@ -17018,18 +16834,13 @@
             <a:avLst/>
           </a:prstGeom>
           <a:solidFill>
-            <a:schemeClr val="accent3">
-              <a:lumMod val="40000"/>
-              <a:lumOff val="60000"/>
+            <a:schemeClr val="accent1">
+              <a:lumMod val="20000"/>
+              <a:lumOff val="80000"/>
             </a:schemeClr>
           </a:solidFill>
           <a:ln w="12700">
-            <a:solidFill>
-              <a:schemeClr val="tx2">
-                <a:lumMod val="60000"/>
-                <a:lumOff val="40000"/>
-              </a:schemeClr>
-            </a:solidFill>
+            <a:noFill/>
           </a:ln>
         </p:spPr>
         <p:txBody>
@@ -18800,7 +18611,7 @@
           <a:p>
             <a:r>
               <a:rPr lang="en-US" dirty="0"/>
-              <a:t>Do Guided Practice 5.4 </a:t>
+              <a:t>Do Guided Practice 6.4 </a:t>
             </a:r>
           </a:p>
           <a:p>
@@ -19071,7 +18882,7 @@
                 <a:latin typeface="Consolas" pitchFamily="49" charset="0"/>
                 <a:cs typeface="Consolas" pitchFamily="49" charset="0"/>
               </a:rPr>
-              <a:t>ListOfNumber</a:t>
+              <a:t>NumberList</a:t>
             </a:r>
             <a:r>
               <a:rPr lang="en-US" b="1" dirty="0">
@@ -19085,7 +18896,7 @@
                 <a:latin typeface="Consolas" pitchFamily="49" charset="0"/>
                 <a:cs typeface="Consolas" pitchFamily="49" charset="0"/>
               </a:rPr>
-              <a:t>ListOfNumber</a:t>
+              <a:t>NumberList</a:t>
             </a:r>
             <a:endParaRPr lang="en-US" b="1" dirty="0">
               <a:latin typeface="Consolas" pitchFamily="49" charset="0"/>
@@ -19362,7 +19173,7 @@
                 <a:latin typeface="Consolas" pitchFamily="49" charset="0"/>
                 <a:cs typeface="Consolas" pitchFamily="49" charset="0"/>
               </a:rPr>
-              <a:t>ListOfEmployee</a:t>
+              <a:t>EmployeeList</a:t>
             </a:r>
             <a:r>
               <a:rPr lang="en-US" b="1" dirty="0">
@@ -19775,7 +19586,7 @@
                 <a:latin typeface="Consolas" pitchFamily="49" charset="0"/>
                 <a:cs typeface="Consolas" pitchFamily="49" charset="0"/>
               </a:rPr>
-              <a:t>ListOfNumber</a:t>
+              <a:t>NumberList</a:t>
             </a:r>
             <a:r>
               <a:rPr lang="en-US" sz="2000" b="1" dirty="0">
@@ -19987,7 +19798,7 @@
                 <a:latin typeface="Consolas" pitchFamily="49" charset="0"/>
                 <a:cs typeface="Consolas" pitchFamily="49" charset="0"/>
               </a:rPr>
-              <a:t>ListOfNumber</a:t>
+              <a:t>NumberList</a:t>
             </a:r>
             <a:r>
               <a:rPr lang="en-US" sz="2000" b="1" dirty="0">
@@ -20563,15 +20374,7 @@
             </a:r>
             <a:r>
               <a:rPr lang="en-US" dirty="0"/>
-              <a:t> is using the template for </a:t>
-            </a:r>
-            <a:r>
-              <a:rPr lang="en-US" dirty="0" err="1"/>
-              <a:t>ListOfX</a:t>
-            </a:r>
-            <a:r>
-              <a:rPr lang="en-US" dirty="0"/>
-              <a:t> on its list argument.</a:t>
+              <a:t> is using the template for XList on its list argument.</a:t>
             </a:r>
           </a:p>
           <a:p>
@@ -21358,15 +21161,7 @@
             </a:pPr>
             <a:r>
               <a:rPr lang="en-US" sz="2400" dirty="0"/>
-              <a:t>;; foldr : (X Y -&gt; Y) Y </a:t>
-            </a:r>
-            <a:r>
-              <a:rPr lang="en-US" sz="2400" dirty="0" err="1"/>
-              <a:t>ListOfX</a:t>
-            </a:r>
-            <a:r>
-              <a:rPr lang="en-US" sz="2400" dirty="0"/>
-              <a:t> -&gt; Y</a:t>
+              <a:t>;; foldr : (X Y -&gt; Y) Y XList -&gt; Y</a:t>
             </a:r>
           </a:p>
           <a:p>
@@ -21604,7 +21399,7 @@
                 <a:latin typeface="Consolas" pitchFamily="49" charset="0"/>
                 <a:cs typeface="Consolas" pitchFamily="49" charset="0"/>
               </a:rPr>
-              <a:t>ListOfNumber</a:t>
+              <a:t>NumberList</a:t>
             </a:r>
             <a:endParaRPr lang="en-US" sz="2800" b="1" dirty="0">
               <a:latin typeface="Consolas" pitchFamily="49" charset="0"/>
